--- a/php토이프로젝트.pptx
+++ b/php토이프로젝트.pptx
@@ -5193,12 +5193,60 @@
           </a:p>
         </p:txBody>
       </p:sp>
+      <p:sp>
+        <p:nvSpPr>
+          <p:cNvPr id="22" name="TextBox 21">
+            <a:extLst>
+              <a:ext uri="{FF2B5EF4-FFF2-40B4-BE49-F238E27FC236}">
+                <a16:creationId xmlns:a16="http://schemas.microsoft.com/office/drawing/2014/main" id="{05A068DA-A6BF-4D5B-A070-72DD3C52F262}"/>
+              </a:ext>
+            </a:extLst>
+          </p:cNvPr>
+          <p:cNvSpPr txBox="1"/>
+          <p:nvPr/>
+        </p:nvSpPr>
+        <p:spPr>
+          <a:xfrm>
+            <a:off x="10397919" y="6408261"/>
+            <a:ext cx="1794081" cy="400110"/>
+          </a:xfrm>
+          <a:prstGeom prst="rect">
+            <a:avLst/>
+          </a:prstGeom>
+          <a:noFill/>
+        </p:spPr>
+        <p:txBody>
+          <a:bodyPr wrap="none" rtlCol="0">
+            <a:spAutoFit/>
+          </a:bodyPr>
+          <a:lstStyle/>
+          <a:p>
+            <a:r>
+              <a:rPr lang="en-US" altLang="ko-KR" sz="2000" b="1" dirty="0">
+                <a:solidFill>
+                  <a:schemeClr val="bg1"/>
+                </a:solidFill>
+                <a:latin typeface="나눔스퀘어 Bold" panose="020B0600000101010101" pitchFamily="50" charset="-127"/>
+                <a:ea typeface="나눔스퀘어 Bold" panose="020B0600000101010101" pitchFamily="50" charset="-127"/>
+              </a:rPr>
+              <a:t>MySQL + PHP</a:t>
+            </a:r>
+            <a:endParaRPr lang="ko-KR" altLang="en-US" sz="2000" b="1" dirty="0">
+              <a:solidFill>
+                <a:schemeClr val="bg1"/>
+              </a:solidFill>
+              <a:latin typeface="나눔스퀘어 Bold" panose="020B0600000101010101" pitchFamily="50" charset="-127"/>
+              <a:ea typeface="나눔스퀘어 Bold" panose="020B0600000101010101" pitchFamily="50" charset="-127"/>
+            </a:endParaRPr>
+          </a:p>
+        </p:txBody>
+      </p:sp>
       <p:pic>
         <p:nvPicPr>
-          <p:cNvPr id="10" name="그림 9">
-            <a:extLst>
-              <a:ext uri="{FF2B5EF4-FFF2-40B4-BE49-F238E27FC236}">
-                <a16:creationId xmlns:a16="http://schemas.microsoft.com/office/drawing/2014/main" id="{1AF705A8-D224-4618-AFB6-C50978A3879A}"/>
+          <p:cNvPr id="16" name="그림 15">
+            <a:extLst>
+              <a:ext uri="{FF2B5EF4-FFF2-40B4-BE49-F238E27FC236}">
+                <a16:creationId xmlns:a16="http://schemas.microsoft.com/office/drawing/2014/main" id="{368A04E9-7988-47B6-9C67-D689F4BD542A}"/>
               </a:ext>
             </a:extLst>
           </p:cNvPr>
@@ -5215,8 +5263,8 @@
         </p:blipFill>
         <p:spPr>
           <a:xfrm>
-            <a:off x="1137105" y="939196"/>
-            <a:ext cx="9917789" cy="5374935"/>
+            <a:off x="618042" y="869502"/>
+            <a:ext cx="10955916" cy="5398071"/>
           </a:xfrm>
           <a:prstGeom prst="rect">
             <a:avLst/>
@@ -5225,10 +5273,10 @@
       </p:pic>
       <p:sp>
         <p:nvSpPr>
-          <p:cNvPr id="4" name="화살표: 오른쪽 3">
-            <a:extLst>
-              <a:ext uri="{FF2B5EF4-FFF2-40B4-BE49-F238E27FC236}">
-                <a16:creationId xmlns:a16="http://schemas.microsoft.com/office/drawing/2014/main" id="{C8199DF9-B0A1-4EB4-AEEC-0EA5F6349706}"/>
+          <p:cNvPr id="20" name="화살표: 오른쪽 19">
+            <a:extLst>
+              <a:ext uri="{FF2B5EF4-FFF2-40B4-BE49-F238E27FC236}">
+                <a16:creationId xmlns:a16="http://schemas.microsoft.com/office/drawing/2014/main" id="{07DD75F7-46F0-4982-B25F-AF8228B525D3}"/>
               </a:ext>
             </a:extLst>
           </p:cNvPr>
@@ -5237,7 +5285,7 @@
         </p:nvSpPr>
         <p:spPr>
           <a:xfrm rot="13212829">
-            <a:off x="1975434" y="4768476"/>
+            <a:off x="4152258" y="2167989"/>
             <a:ext cx="324787" cy="271994"/>
           </a:xfrm>
           <a:prstGeom prst="rightArrow">
@@ -5282,10 +5330,10 @@
       </p:sp>
       <p:sp>
         <p:nvSpPr>
-          <p:cNvPr id="20" name="화살표: 오른쪽 19">
-            <a:extLst>
-              <a:ext uri="{FF2B5EF4-FFF2-40B4-BE49-F238E27FC236}">
-                <a16:creationId xmlns:a16="http://schemas.microsoft.com/office/drawing/2014/main" id="{07DD75F7-46F0-4982-B25F-AF8228B525D3}"/>
+          <p:cNvPr id="4" name="화살표: 오른쪽 3">
+            <a:extLst>
+              <a:ext uri="{FF2B5EF4-FFF2-40B4-BE49-F238E27FC236}">
+                <a16:creationId xmlns:a16="http://schemas.microsoft.com/office/drawing/2014/main" id="{C8199DF9-B0A1-4EB4-AEEC-0EA5F6349706}"/>
               </a:ext>
             </a:extLst>
           </p:cNvPr>
@@ -5294,7 +5342,7 @@
         </p:nvSpPr>
         <p:spPr>
           <a:xfrm rot="13212829">
-            <a:off x="4348521" y="2597554"/>
+            <a:off x="1516321" y="4563202"/>
             <a:ext cx="324787" cy="271994"/>
           </a:xfrm>
           <a:prstGeom prst="rightArrow">
@@ -5334,54 +5382,6 @@
           <a:p>
             <a:pPr algn="ctr"/>
             <a:endParaRPr lang="ko-KR" altLang="en-US"/>
-          </a:p>
-        </p:txBody>
-      </p:sp>
-      <p:sp>
-        <p:nvSpPr>
-          <p:cNvPr id="22" name="TextBox 21">
-            <a:extLst>
-              <a:ext uri="{FF2B5EF4-FFF2-40B4-BE49-F238E27FC236}">
-                <a16:creationId xmlns:a16="http://schemas.microsoft.com/office/drawing/2014/main" id="{05A068DA-A6BF-4D5B-A070-72DD3C52F262}"/>
-              </a:ext>
-            </a:extLst>
-          </p:cNvPr>
-          <p:cNvSpPr txBox="1"/>
-          <p:nvPr/>
-        </p:nvSpPr>
-        <p:spPr>
-          <a:xfrm>
-            <a:off x="10397919" y="6408261"/>
-            <a:ext cx="1794081" cy="400110"/>
-          </a:xfrm>
-          <a:prstGeom prst="rect">
-            <a:avLst/>
-          </a:prstGeom>
-          <a:noFill/>
-        </p:spPr>
-        <p:txBody>
-          <a:bodyPr wrap="none" rtlCol="0">
-            <a:spAutoFit/>
-          </a:bodyPr>
-          <a:lstStyle/>
-          <a:p>
-            <a:r>
-              <a:rPr lang="en-US" altLang="ko-KR" sz="2000" b="1" dirty="0">
-                <a:solidFill>
-                  <a:schemeClr val="bg1"/>
-                </a:solidFill>
-                <a:latin typeface="나눔스퀘어 Bold" panose="020B0600000101010101" pitchFamily="50" charset="-127"/>
-                <a:ea typeface="나눔스퀘어 Bold" panose="020B0600000101010101" pitchFamily="50" charset="-127"/>
-              </a:rPr>
-              <a:t>MySQL + PHP</a:t>
-            </a:r>
-            <a:endParaRPr lang="ko-KR" altLang="en-US" sz="2000" b="1" dirty="0">
-              <a:solidFill>
-                <a:schemeClr val="bg1"/>
-              </a:solidFill>
-              <a:latin typeface="나눔스퀘어 Bold" panose="020B0600000101010101" pitchFamily="50" charset="-127"/>
-              <a:ea typeface="나눔스퀘어 Bold" panose="020B0600000101010101" pitchFamily="50" charset="-127"/>
-            </a:endParaRPr>
           </a:p>
         </p:txBody>
       </p:sp>
